--- a/ppt 16-9/1415.认识基督耶稣.pptx
+++ b/ppt 16-9/1415.认识基督耶稣.pptx
@@ -5,7 +5,7 @@
     <p:sldMasterId id="2147483648" r:id="rId1"/>
   </p:sldMasterIdLst>
   <p:sldIdLst>
-    <p:sldId id="986" r:id="rId2"/>
+    <p:sldId id="987" r:id="rId2"/>
   </p:sldIdLst>
   <p:sldSz cx="12192000" cy="6858000"/>
   <p:notesSz cx="6858000" cy="9144000"/>
@@ -129,7 +129,7 @@
           <p:cNvPr id="2" name="标题 1">
             <a:extLst>
               <a:ext uri="{FF2B5EF4-FFF2-40B4-BE49-F238E27FC236}">
-                <a16:creationId xmlns:a16="http://schemas.microsoft.com/office/drawing/2014/main" id="{7394417B-E57E-3FCC-DA6C-1398D5A1B7C6}"/>
+                <a16:creationId xmlns:a16="http://schemas.microsoft.com/office/drawing/2014/main" id="{0D5BD8CC-252A-54F5-ABC6-9A13A506FFF0}"/>
               </a:ext>
             </a:extLst>
           </p:cNvPr>
@@ -166,7 +166,7 @@
           <p:cNvPr id="3" name="副标题 2">
             <a:extLst>
               <a:ext uri="{FF2B5EF4-FFF2-40B4-BE49-F238E27FC236}">
-                <a16:creationId xmlns:a16="http://schemas.microsoft.com/office/drawing/2014/main" id="{21E9397F-5948-01EF-3758-D373C595768D}"/>
+                <a16:creationId xmlns:a16="http://schemas.microsoft.com/office/drawing/2014/main" id="{20B93EE3-9291-39E1-F602-03C21433AAC0}"/>
               </a:ext>
             </a:extLst>
           </p:cNvPr>
@@ -236,7 +236,7 @@
           <p:cNvPr id="4" name="日期占位符 3">
             <a:extLst>
               <a:ext uri="{FF2B5EF4-FFF2-40B4-BE49-F238E27FC236}">
-                <a16:creationId xmlns:a16="http://schemas.microsoft.com/office/drawing/2014/main" id="{84CC19B2-32EE-714F-8B87-16A919C543BA}"/>
+                <a16:creationId xmlns:a16="http://schemas.microsoft.com/office/drawing/2014/main" id="{4BDF2EE7-C445-E8E8-74AE-816BA6F7071A}"/>
               </a:ext>
             </a:extLst>
           </p:cNvPr>
@@ -252,7 +252,7 @@
           <a:bodyPr/>
           <a:lstStyle/>
           <a:p>
-            <a:fld id="{D9082DFA-5993-4475-9B5E-977C68586560}" type="datetimeFigureOut">
+            <a:fld id="{29E25D8D-C8C1-4093-822D-C89A87B214A1}" type="datetimeFigureOut">
               <a:rPr lang="zh-CN" altLang="en-US" smtClean="0"/>
               <a:t>2024/3/10</a:t>
             </a:fld>
@@ -265,7 +265,7 @@
           <p:cNvPr id="5" name="页脚占位符 4">
             <a:extLst>
               <a:ext uri="{FF2B5EF4-FFF2-40B4-BE49-F238E27FC236}">
-                <a16:creationId xmlns:a16="http://schemas.microsoft.com/office/drawing/2014/main" id="{470282FD-9BD4-B688-35EA-3AEAA26DFC1E}"/>
+                <a16:creationId xmlns:a16="http://schemas.microsoft.com/office/drawing/2014/main" id="{C1D410BB-4A49-F352-24E9-A75E4DA95311}"/>
               </a:ext>
             </a:extLst>
           </p:cNvPr>
@@ -290,7 +290,7 @@
           <p:cNvPr id="6" name="灯片编号占位符 5">
             <a:extLst>
               <a:ext uri="{FF2B5EF4-FFF2-40B4-BE49-F238E27FC236}">
-                <a16:creationId xmlns:a16="http://schemas.microsoft.com/office/drawing/2014/main" id="{1B1CBC2F-D420-1169-398A-9DB015C6E77C}"/>
+                <a16:creationId xmlns:a16="http://schemas.microsoft.com/office/drawing/2014/main" id="{86571C2A-230F-1F30-225B-68052DB81D82}"/>
               </a:ext>
             </a:extLst>
           </p:cNvPr>
@@ -306,7 +306,7 @@
           <a:bodyPr/>
           <a:lstStyle/>
           <a:p>
-            <a:fld id="{826DDA3D-E322-435A-B3FC-538927EDC992}" type="slidenum">
+            <a:fld id="{96E86C02-FE4C-46FA-8C46-C37D6DFCB66A}" type="slidenum">
               <a:rPr lang="zh-CN" altLang="en-US" smtClean="0"/>
               <a:t>‹#›</a:t>
             </a:fld>
@@ -317,7 +317,7 @@
     </p:spTree>
     <p:extLst>
       <p:ext uri="{BB962C8B-B14F-4D97-AF65-F5344CB8AC3E}">
-        <p14:creationId xmlns:p14="http://schemas.microsoft.com/office/powerpoint/2010/main" val="3577539175"/>
+        <p14:creationId xmlns:p14="http://schemas.microsoft.com/office/powerpoint/2010/main" val="3923695032"/>
       </p:ext>
     </p:extLst>
   </p:cSld>
@@ -349,7 +349,7 @@
           <p:cNvPr id="2" name="标题 1">
             <a:extLst>
               <a:ext uri="{FF2B5EF4-FFF2-40B4-BE49-F238E27FC236}">
-                <a16:creationId xmlns:a16="http://schemas.microsoft.com/office/drawing/2014/main" id="{6EB50CF0-CACD-0848-F1CF-308D378756EF}"/>
+                <a16:creationId xmlns:a16="http://schemas.microsoft.com/office/drawing/2014/main" id="{2BF3DA21-9A81-C0FD-7ECA-1F3F2C061DBA}"/>
               </a:ext>
             </a:extLst>
           </p:cNvPr>
@@ -377,7 +377,7 @@
           <p:cNvPr id="3" name="竖排文字占位符 2">
             <a:extLst>
               <a:ext uri="{FF2B5EF4-FFF2-40B4-BE49-F238E27FC236}">
-                <a16:creationId xmlns:a16="http://schemas.microsoft.com/office/drawing/2014/main" id="{C3065966-37C4-D2C6-79C7-E4D6CA5D99F3}"/>
+                <a16:creationId xmlns:a16="http://schemas.microsoft.com/office/drawing/2014/main" id="{C0296A98-5276-36CB-B76E-225E34F2008E}"/>
               </a:ext>
             </a:extLst>
           </p:cNvPr>
@@ -434,7 +434,7 @@
           <p:cNvPr id="4" name="日期占位符 3">
             <a:extLst>
               <a:ext uri="{FF2B5EF4-FFF2-40B4-BE49-F238E27FC236}">
-                <a16:creationId xmlns:a16="http://schemas.microsoft.com/office/drawing/2014/main" id="{F22C02D2-C949-9542-0FFE-A57E018B4358}"/>
+                <a16:creationId xmlns:a16="http://schemas.microsoft.com/office/drawing/2014/main" id="{45CC8068-ADB0-A5B7-6CD9-327452CB6CAC}"/>
               </a:ext>
             </a:extLst>
           </p:cNvPr>
@@ -450,7 +450,7 @@
           <a:bodyPr/>
           <a:lstStyle/>
           <a:p>
-            <a:fld id="{D9082DFA-5993-4475-9B5E-977C68586560}" type="datetimeFigureOut">
+            <a:fld id="{29E25D8D-C8C1-4093-822D-C89A87B214A1}" type="datetimeFigureOut">
               <a:rPr lang="zh-CN" altLang="en-US" smtClean="0"/>
               <a:t>2024/3/10</a:t>
             </a:fld>
@@ -463,7 +463,7 @@
           <p:cNvPr id="5" name="页脚占位符 4">
             <a:extLst>
               <a:ext uri="{FF2B5EF4-FFF2-40B4-BE49-F238E27FC236}">
-                <a16:creationId xmlns:a16="http://schemas.microsoft.com/office/drawing/2014/main" id="{DA16DF25-432C-D141-79DD-D6BBBA41CEB7}"/>
+                <a16:creationId xmlns:a16="http://schemas.microsoft.com/office/drawing/2014/main" id="{D06BA1B2-3C6A-5CC9-6F5D-970FF7F2D57F}"/>
               </a:ext>
             </a:extLst>
           </p:cNvPr>
@@ -488,7 +488,7 @@
           <p:cNvPr id="6" name="灯片编号占位符 5">
             <a:extLst>
               <a:ext uri="{FF2B5EF4-FFF2-40B4-BE49-F238E27FC236}">
-                <a16:creationId xmlns:a16="http://schemas.microsoft.com/office/drawing/2014/main" id="{F4CC62A9-F426-2102-9B1D-9EA8F750C5F1}"/>
+                <a16:creationId xmlns:a16="http://schemas.microsoft.com/office/drawing/2014/main" id="{AD7338F1-DC66-9B8E-909B-D4A70284891A}"/>
               </a:ext>
             </a:extLst>
           </p:cNvPr>
@@ -504,7 +504,7 @@
           <a:bodyPr/>
           <a:lstStyle/>
           <a:p>
-            <a:fld id="{826DDA3D-E322-435A-B3FC-538927EDC992}" type="slidenum">
+            <a:fld id="{96E86C02-FE4C-46FA-8C46-C37D6DFCB66A}" type="slidenum">
               <a:rPr lang="zh-CN" altLang="en-US" smtClean="0"/>
               <a:t>‹#›</a:t>
             </a:fld>
@@ -515,7 +515,7 @@
     </p:spTree>
     <p:extLst>
       <p:ext uri="{BB962C8B-B14F-4D97-AF65-F5344CB8AC3E}">
-        <p14:creationId xmlns:p14="http://schemas.microsoft.com/office/powerpoint/2010/main" val="3669459491"/>
+        <p14:creationId xmlns:p14="http://schemas.microsoft.com/office/powerpoint/2010/main" val="15829870"/>
       </p:ext>
     </p:extLst>
   </p:cSld>
@@ -547,7 +547,7 @@
           <p:cNvPr id="2" name="竖排标题 1">
             <a:extLst>
               <a:ext uri="{FF2B5EF4-FFF2-40B4-BE49-F238E27FC236}">
-                <a16:creationId xmlns:a16="http://schemas.microsoft.com/office/drawing/2014/main" id="{E03991DE-14BC-4193-C52F-46FF8E714324}"/>
+                <a16:creationId xmlns:a16="http://schemas.microsoft.com/office/drawing/2014/main" id="{67A605D1-DACE-5070-B5BD-79FE54B22768}"/>
               </a:ext>
             </a:extLst>
           </p:cNvPr>
@@ -580,7 +580,7 @@
           <p:cNvPr id="3" name="竖排文字占位符 2">
             <a:extLst>
               <a:ext uri="{FF2B5EF4-FFF2-40B4-BE49-F238E27FC236}">
-                <a16:creationId xmlns:a16="http://schemas.microsoft.com/office/drawing/2014/main" id="{5F53B282-54B2-F538-E380-AC8155747CA8}"/>
+                <a16:creationId xmlns:a16="http://schemas.microsoft.com/office/drawing/2014/main" id="{950CF359-F5A4-3779-CB0E-1F653AF21319}"/>
               </a:ext>
             </a:extLst>
           </p:cNvPr>
@@ -642,7 +642,7 @@
           <p:cNvPr id="4" name="日期占位符 3">
             <a:extLst>
               <a:ext uri="{FF2B5EF4-FFF2-40B4-BE49-F238E27FC236}">
-                <a16:creationId xmlns:a16="http://schemas.microsoft.com/office/drawing/2014/main" id="{7276308C-F705-35CE-A9B3-C0CFD971171D}"/>
+                <a16:creationId xmlns:a16="http://schemas.microsoft.com/office/drawing/2014/main" id="{C63D427C-300E-2012-BB55-CF9D1ECC9F46}"/>
               </a:ext>
             </a:extLst>
           </p:cNvPr>
@@ -658,7 +658,7 @@
           <a:bodyPr/>
           <a:lstStyle/>
           <a:p>
-            <a:fld id="{D9082DFA-5993-4475-9B5E-977C68586560}" type="datetimeFigureOut">
+            <a:fld id="{29E25D8D-C8C1-4093-822D-C89A87B214A1}" type="datetimeFigureOut">
               <a:rPr lang="zh-CN" altLang="en-US" smtClean="0"/>
               <a:t>2024/3/10</a:t>
             </a:fld>
@@ -671,7 +671,7 @@
           <p:cNvPr id="5" name="页脚占位符 4">
             <a:extLst>
               <a:ext uri="{FF2B5EF4-FFF2-40B4-BE49-F238E27FC236}">
-                <a16:creationId xmlns:a16="http://schemas.microsoft.com/office/drawing/2014/main" id="{18AF3728-8F4A-5FD7-3587-24847C11AAA6}"/>
+                <a16:creationId xmlns:a16="http://schemas.microsoft.com/office/drawing/2014/main" id="{87D430EF-5F4C-46F9-8AB9-C1A1A715A13B}"/>
               </a:ext>
             </a:extLst>
           </p:cNvPr>
@@ -696,7 +696,7 @@
           <p:cNvPr id="6" name="灯片编号占位符 5">
             <a:extLst>
               <a:ext uri="{FF2B5EF4-FFF2-40B4-BE49-F238E27FC236}">
-                <a16:creationId xmlns:a16="http://schemas.microsoft.com/office/drawing/2014/main" id="{06E2A20E-3D29-1548-6E6E-01A6C61A224C}"/>
+                <a16:creationId xmlns:a16="http://schemas.microsoft.com/office/drawing/2014/main" id="{B6FE7F90-9D72-492D-9912-5C2F8B82F11E}"/>
               </a:ext>
             </a:extLst>
           </p:cNvPr>
@@ -712,7 +712,7 @@
           <a:bodyPr/>
           <a:lstStyle/>
           <a:p>
-            <a:fld id="{826DDA3D-E322-435A-B3FC-538927EDC992}" type="slidenum">
+            <a:fld id="{96E86C02-FE4C-46FA-8C46-C37D6DFCB66A}" type="slidenum">
               <a:rPr lang="zh-CN" altLang="en-US" smtClean="0"/>
               <a:t>‹#›</a:t>
             </a:fld>
@@ -723,7 +723,7 @@
     </p:spTree>
     <p:extLst>
       <p:ext uri="{BB962C8B-B14F-4D97-AF65-F5344CB8AC3E}">
-        <p14:creationId xmlns:p14="http://schemas.microsoft.com/office/powerpoint/2010/main" val="1896368361"/>
+        <p14:creationId xmlns:p14="http://schemas.microsoft.com/office/powerpoint/2010/main" val="2644470454"/>
       </p:ext>
     </p:extLst>
   </p:cSld>
@@ -755,7 +755,7 @@
           <p:cNvPr id="2" name="标题 1">
             <a:extLst>
               <a:ext uri="{FF2B5EF4-FFF2-40B4-BE49-F238E27FC236}">
-                <a16:creationId xmlns:a16="http://schemas.microsoft.com/office/drawing/2014/main" id="{73FD6900-6880-23C5-3BCC-C10BD4BF935F}"/>
+                <a16:creationId xmlns:a16="http://schemas.microsoft.com/office/drawing/2014/main" id="{2DEF1825-4321-738B-B992-C5CE6ACB8048}"/>
               </a:ext>
             </a:extLst>
           </p:cNvPr>
@@ -783,7 +783,7 @@
           <p:cNvPr id="3" name="内容占位符 2">
             <a:extLst>
               <a:ext uri="{FF2B5EF4-FFF2-40B4-BE49-F238E27FC236}">
-                <a16:creationId xmlns:a16="http://schemas.microsoft.com/office/drawing/2014/main" id="{94035DC0-2B63-4DD6-DB56-C305BAA565CE}"/>
+                <a16:creationId xmlns:a16="http://schemas.microsoft.com/office/drawing/2014/main" id="{1510DE77-D652-7D05-17C6-4F1AC43269AB}"/>
               </a:ext>
             </a:extLst>
           </p:cNvPr>
@@ -840,7 +840,7 @@
           <p:cNvPr id="4" name="日期占位符 3">
             <a:extLst>
               <a:ext uri="{FF2B5EF4-FFF2-40B4-BE49-F238E27FC236}">
-                <a16:creationId xmlns:a16="http://schemas.microsoft.com/office/drawing/2014/main" id="{69197F92-94AE-8C95-F53D-8B5EF999BCAD}"/>
+                <a16:creationId xmlns:a16="http://schemas.microsoft.com/office/drawing/2014/main" id="{78A0285D-891D-1193-DA12-84B272BFAAA5}"/>
               </a:ext>
             </a:extLst>
           </p:cNvPr>
@@ -856,7 +856,7 @@
           <a:bodyPr/>
           <a:lstStyle/>
           <a:p>
-            <a:fld id="{D9082DFA-5993-4475-9B5E-977C68586560}" type="datetimeFigureOut">
+            <a:fld id="{29E25D8D-C8C1-4093-822D-C89A87B214A1}" type="datetimeFigureOut">
               <a:rPr lang="zh-CN" altLang="en-US" smtClean="0"/>
               <a:t>2024/3/10</a:t>
             </a:fld>
@@ -869,7 +869,7 @@
           <p:cNvPr id="5" name="页脚占位符 4">
             <a:extLst>
               <a:ext uri="{FF2B5EF4-FFF2-40B4-BE49-F238E27FC236}">
-                <a16:creationId xmlns:a16="http://schemas.microsoft.com/office/drawing/2014/main" id="{19C214C4-30EF-ACC4-A6E6-91FCA3F99423}"/>
+                <a16:creationId xmlns:a16="http://schemas.microsoft.com/office/drawing/2014/main" id="{672F018A-40D1-0D20-E75E-EA78A5233C5C}"/>
               </a:ext>
             </a:extLst>
           </p:cNvPr>
@@ -894,7 +894,7 @@
           <p:cNvPr id="6" name="灯片编号占位符 5">
             <a:extLst>
               <a:ext uri="{FF2B5EF4-FFF2-40B4-BE49-F238E27FC236}">
-                <a16:creationId xmlns:a16="http://schemas.microsoft.com/office/drawing/2014/main" id="{F7644714-7EA6-E7C7-8A16-638F07DB8EEB}"/>
+                <a16:creationId xmlns:a16="http://schemas.microsoft.com/office/drawing/2014/main" id="{D14443E1-1D92-AD6E-D136-03BA858BD07F}"/>
               </a:ext>
             </a:extLst>
           </p:cNvPr>
@@ -910,7 +910,7 @@
           <a:bodyPr/>
           <a:lstStyle/>
           <a:p>
-            <a:fld id="{826DDA3D-E322-435A-B3FC-538927EDC992}" type="slidenum">
+            <a:fld id="{96E86C02-FE4C-46FA-8C46-C37D6DFCB66A}" type="slidenum">
               <a:rPr lang="zh-CN" altLang="en-US" smtClean="0"/>
               <a:t>‹#›</a:t>
             </a:fld>
@@ -921,7 +921,7 @@
     </p:spTree>
     <p:extLst>
       <p:ext uri="{BB962C8B-B14F-4D97-AF65-F5344CB8AC3E}">
-        <p14:creationId xmlns:p14="http://schemas.microsoft.com/office/powerpoint/2010/main" val="2445292385"/>
+        <p14:creationId xmlns:p14="http://schemas.microsoft.com/office/powerpoint/2010/main" val="1669155046"/>
       </p:ext>
     </p:extLst>
   </p:cSld>
@@ -953,7 +953,7 @@
           <p:cNvPr id="2" name="标题 1">
             <a:extLst>
               <a:ext uri="{FF2B5EF4-FFF2-40B4-BE49-F238E27FC236}">
-                <a16:creationId xmlns:a16="http://schemas.microsoft.com/office/drawing/2014/main" id="{0DFFC8FA-656C-7A87-576A-35FFD58023C2}"/>
+                <a16:creationId xmlns:a16="http://schemas.microsoft.com/office/drawing/2014/main" id="{6805E7AB-94E1-7468-02C3-5CC980024570}"/>
               </a:ext>
             </a:extLst>
           </p:cNvPr>
@@ -990,7 +990,7 @@
           <p:cNvPr id="3" name="文本占位符 2">
             <a:extLst>
               <a:ext uri="{FF2B5EF4-FFF2-40B4-BE49-F238E27FC236}">
-                <a16:creationId xmlns:a16="http://schemas.microsoft.com/office/drawing/2014/main" id="{DCF5F0DA-71F0-50A9-AFDE-ECB0CA448A3E}"/>
+                <a16:creationId xmlns:a16="http://schemas.microsoft.com/office/drawing/2014/main" id="{45ADC807-EEF7-9431-6267-06F39E70358F}"/>
               </a:ext>
             </a:extLst>
           </p:cNvPr>
@@ -1115,7 +1115,7 @@
           <p:cNvPr id="4" name="日期占位符 3">
             <a:extLst>
               <a:ext uri="{FF2B5EF4-FFF2-40B4-BE49-F238E27FC236}">
-                <a16:creationId xmlns:a16="http://schemas.microsoft.com/office/drawing/2014/main" id="{7FF3101D-7523-73C1-F52F-0CCA80052B5E}"/>
+                <a16:creationId xmlns:a16="http://schemas.microsoft.com/office/drawing/2014/main" id="{AC84964C-78A7-B496-0487-17C4E8331F82}"/>
               </a:ext>
             </a:extLst>
           </p:cNvPr>
@@ -1131,7 +1131,7 @@
           <a:bodyPr/>
           <a:lstStyle/>
           <a:p>
-            <a:fld id="{D9082DFA-5993-4475-9B5E-977C68586560}" type="datetimeFigureOut">
+            <a:fld id="{29E25D8D-C8C1-4093-822D-C89A87B214A1}" type="datetimeFigureOut">
               <a:rPr lang="zh-CN" altLang="en-US" smtClean="0"/>
               <a:t>2024/3/10</a:t>
             </a:fld>
@@ -1144,7 +1144,7 @@
           <p:cNvPr id="5" name="页脚占位符 4">
             <a:extLst>
               <a:ext uri="{FF2B5EF4-FFF2-40B4-BE49-F238E27FC236}">
-                <a16:creationId xmlns:a16="http://schemas.microsoft.com/office/drawing/2014/main" id="{716EFD4F-EAD2-58FC-7099-16599EFFC404}"/>
+                <a16:creationId xmlns:a16="http://schemas.microsoft.com/office/drawing/2014/main" id="{C93A1431-9013-E4BF-A97E-8DCF2E0335E5}"/>
               </a:ext>
             </a:extLst>
           </p:cNvPr>
@@ -1169,7 +1169,7 @@
           <p:cNvPr id="6" name="灯片编号占位符 5">
             <a:extLst>
               <a:ext uri="{FF2B5EF4-FFF2-40B4-BE49-F238E27FC236}">
-                <a16:creationId xmlns:a16="http://schemas.microsoft.com/office/drawing/2014/main" id="{6DB3AD29-D46D-6B4B-E407-DAB7DBA5669C}"/>
+                <a16:creationId xmlns:a16="http://schemas.microsoft.com/office/drawing/2014/main" id="{282BAC63-D79B-48F9-7954-B1E415AF4C3B}"/>
               </a:ext>
             </a:extLst>
           </p:cNvPr>
@@ -1185,7 +1185,7 @@
           <a:bodyPr/>
           <a:lstStyle/>
           <a:p>
-            <a:fld id="{826DDA3D-E322-435A-B3FC-538927EDC992}" type="slidenum">
+            <a:fld id="{96E86C02-FE4C-46FA-8C46-C37D6DFCB66A}" type="slidenum">
               <a:rPr lang="zh-CN" altLang="en-US" smtClean="0"/>
               <a:t>‹#›</a:t>
             </a:fld>
@@ -1196,7 +1196,7 @@
     </p:spTree>
     <p:extLst>
       <p:ext uri="{BB962C8B-B14F-4D97-AF65-F5344CB8AC3E}">
-        <p14:creationId xmlns:p14="http://schemas.microsoft.com/office/powerpoint/2010/main" val="2206321306"/>
+        <p14:creationId xmlns:p14="http://schemas.microsoft.com/office/powerpoint/2010/main" val="257780489"/>
       </p:ext>
     </p:extLst>
   </p:cSld>
@@ -1228,7 +1228,7 @@
           <p:cNvPr id="2" name="标题 1">
             <a:extLst>
               <a:ext uri="{FF2B5EF4-FFF2-40B4-BE49-F238E27FC236}">
-                <a16:creationId xmlns:a16="http://schemas.microsoft.com/office/drawing/2014/main" id="{3D0228B2-203C-FC07-05CF-2885E0AF2C50}"/>
+                <a16:creationId xmlns:a16="http://schemas.microsoft.com/office/drawing/2014/main" id="{33EDA21A-3180-5900-D458-C2E3A18D92BE}"/>
               </a:ext>
             </a:extLst>
           </p:cNvPr>
@@ -1256,7 +1256,7 @@
           <p:cNvPr id="3" name="内容占位符 2">
             <a:extLst>
               <a:ext uri="{FF2B5EF4-FFF2-40B4-BE49-F238E27FC236}">
-                <a16:creationId xmlns:a16="http://schemas.microsoft.com/office/drawing/2014/main" id="{B1F2D5C6-7D65-5483-E503-8BC312F1EC62}"/>
+                <a16:creationId xmlns:a16="http://schemas.microsoft.com/office/drawing/2014/main" id="{A32BE177-076C-0FBD-EA05-4ECBFA12CBBF}"/>
               </a:ext>
             </a:extLst>
           </p:cNvPr>
@@ -1318,7 +1318,7 @@
           <p:cNvPr id="4" name="内容占位符 3">
             <a:extLst>
               <a:ext uri="{FF2B5EF4-FFF2-40B4-BE49-F238E27FC236}">
-                <a16:creationId xmlns:a16="http://schemas.microsoft.com/office/drawing/2014/main" id="{87989AF4-BCFC-8F91-0124-B8805DDED30C}"/>
+                <a16:creationId xmlns:a16="http://schemas.microsoft.com/office/drawing/2014/main" id="{12C6B503-B3CA-5B2A-C342-B66A116AE417}"/>
               </a:ext>
             </a:extLst>
           </p:cNvPr>
@@ -1380,7 +1380,7 @@
           <p:cNvPr id="5" name="日期占位符 4">
             <a:extLst>
               <a:ext uri="{FF2B5EF4-FFF2-40B4-BE49-F238E27FC236}">
-                <a16:creationId xmlns:a16="http://schemas.microsoft.com/office/drawing/2014/main" id="{1FAF785C-B5D9-EC0C-FFA4-E2741A6F69AD}"/>
+                <a16:creationId xmlns:a16="http://schemas.microsoft.com/office/drawing/2014/main" id="{AA81B701-C563-E8D8-5D10-7BA3A844F89B}"/>
               </a:ext>
             </a:extLst>
           </p:cNvPr>
@@ -1396,7 +1396,7 @@
           <a:bodyPr/>
           <a:lstStyle/>
           <a:p>
-            <a:fld id="{D9082DFA-5993-4475-9B5E-977C68586560}" type="datetimeFigureOut">
+            <a:fld id="{29E25D8D-C8C1-4093-822D-C89A87B214A1}" type="datetimeFigureOut">
               <a:rPr lang="zh-CN" altLang="en-US" smtClean="0"/>
               <a:t>2024/3/10</a:t>
             </a:fld>
@@ -1409,7 +1409,7 @@
           <p:cNvPr id="6" name="页脚占位符 5">
             <a:extLst>
               <a:ext uri="{FF2B5EF4-FFF2-40B4-BE49-F238E27FC236}">
-                <a16:creationId xmlns:a16="http://schemas.microsoft.com/office/drawing/2014/main" id="{70D5CAAD-20B6-28D2-F810-4A9EB57FDF4F}"/>
+                <a16:creationId xmlns:a16="http://schemas.microsoft.com/office/drawing/2014/main" id="{B5E28220-6820-2F14-EBB5-BA33E25E96DA}"/>
               </a:ext>
             </a:extLst>
           </p:cNvPr>
@@ -1434,7 +1434,7 @@
           <p:cNvPr id="7" name="灯片编号占位符 6">
             <a:extLst>
               <a:ext uri="{FF2B5EF4-FFF2-40B4-BE49-F238E27FC236}">
-                <a16:creationId xmlns:a16="http://schemas.microsoft.com/office/drawing/2014/main" id="{A299C833-ECB0-4282-952E-84DFF4B0CD75}"/>
+                <a16:creationId xmlns:a16="http://schemas.microsoft.com/office/drawing/2014/main" id="{D7A62702-56C6-5BF1-94CF-3D6D23DA239E}"/>
               </a:ext>
             </a:extLst>
           </p:cNvPr>
@@ -1450,7 +1450,7 @@
           <a:bodyPr/>
           <a:lstStyle/>
           <a:p>
-            <a:fld id="{826DDA3D-E322-435A-B3FC-538927EDC992}" type="slidenum">
+            <a:fld id="{96E86C02-FE4C-46FA-8C46-C37D6DFCB66A}" type="slidenum">
               <a:rPr lang="zh-CN" altLang="en-US" smtClean="0"/>
               <a:t>‹#›</a:t>
             </a:fld>
@@ -1461,7 +1461,7 @@
     </p:spTree>
     <p:extLst>
       <p:ext uri="{BB962C8B-B14F-4D97-AF65-F5344CB8AC3E}">
-        <p14:creationId xmlns:p14="http://schemas.microsoft.com/office/powerpoint/2010/main" val="1880380800"/>
+        <p14:creationId xmlns:p14="http://schemas.microsoft.com/office/powerpoint/2010/main" val="2211023250"/>
       </p:ext>
     </p:extLst>
   </p:cSld>
@@ -1493,7 +1493,7 @@
           <p:cNvPr id="2" name="标题 1">
             <a:extLst>
               <a:ext uri="{FF2B5EF4-FFF2-40B4-BE49-F238E27FC236}">
-                <a16:creationId xmlns:a16="http://schemas.microsoft.com/office/drawing/2014/main" id="{D8A5B335-B632-87B6-2E30-0C0D9827FF57}"/>
+                <a16:creationId xmlns:a16="http://schemas.microsoft.com/office/drawing/2014/main" id="{6756C9B2-63E3-C193-D525-71B92A1B23CB}"/>
               </a:ext>
             </a:extLst>
           </p:cNvPr>
@@ -1526,7 +1526,7 @@
           <p:cNvPr id="3" name="文本占位符 2">
             <a:extLst>
               <a:ext uri="{FF2B5EF4-FFF2-40B4-BE49-F238E27FC236}">
-                <a16:creationId xmlns:a16="http://schemas.microsoft.com/office/drawing/2014/main" id="{236CFF4C-9B45-99C9-EBC5-C1DB324E69CC}"/>
+                <a16:creationId xmlns:a16="http://schemas.microsoft.com/office/drawing/2014/main" id="{7CD84BF1-78A1-51EB-2A21-766942D7D3AF}"/>
               </a:ext>
             </a:extLst>
           </p:cNvPr>
@@ -1597,7 +1597,7 @@
           <p:cNvPr id="4" name="内容占位符 3">
             <a:extLst>
               <a:ext uri="{FF2B5EF4-FFF2-40B4-BE49-F238E27FC236}">
-                <a16:creationId xmlns:a16="http://schemas.microsoft.com/office/drawing/2014/main" id="{D56ED75F-F34B-1B3D-B3A8-D5845A276B6C}"/>
+                <a16:creationId xmlns:a16="http://schemas.microsoft.com/office/drawing/2014/main" id="{03D8DB25-33D2-FFBB-2E98-590EBBF643FF}"/>
               </a:ext>
             </a:extLst>
           </p:cNvPr>
@@ -1659,7 +1659,7 @@
           <p:cNvPr id="5" name="文本占位符 4">
             <a:extLst>
               <a:ext uri="{FF2B5EF4-FFF2-40B4-BE49-F238E27FC236}">
-                <a16:creationId xmlns:a16="http://schemas.microsoft.com/office/drawing/2014/main" id="{6672E6AC-8962-0A9D-1035-5CCE5C5FB6A0}"/>
+                <a16:creationId xmlns:a16="http://schemas.microsoft.com/office/drawing/2014/main" id="{AAA6E5E2-66F8-335F-14A9-2A84F195764C}"/>
               </a:ext>
             </a:extLst>
           </p:cNvPr>
@@ -1730,7 +1730,7 @@
           <p:cNvPr id="6" name="内容占位符 5">
             <a:extLst>
               <a:ext uri="{FF2B5EF4-FFF2-40B4-BE49-F238E27FC236}">
-                <a16:creationId xmlns:a16="http://schemas.microsoft.com/office/drawing/2014/main" id="{0D09CD59-B17D-FA4A-F4ED-E6001B32AD91}"/>
+                <a16:creationId xmlns:a16="http://schemas.microsoft.com/office/drawing/2014/main" id="{46A654C8-E7BD-CF0C-8AAE-BCBCD909FF59}"/>
               </a:ext>
             </a:extLst>
           </p:cNvPr>
@@ -1792,7 +1792,7 @@
           <p:cNvPr id="7" name="日期占位符 6">
             <a:extLst>
               <a:ext uri="{FF2B5EF4-FFF2-40B4-BE49-F238E27FC236}">
-                <a16:creationId xmlns:a16="http://schemas.microsoft.com/office/drawing/2014/main" id="{FCF1076F-5563-83D6-563A-5F41D0CAFB96}"/>
+                <a16:creationId xmlns:a16="http://schemas.microsoft.com/office/drawing/2014/main" id="{8D8A90A9-99C0-8904-6F9D-2C3B97254713}"/>
               </a:ext>
             </a:extLst>
           </p:cNvPr>
@@ -1808,7 +1808,7 @@
           <a:bodyPr/>
           <a:lstStyle/>
           <a:p>
-            <a:fld id="{D9082DFA-5993-4475-9B5E-977C68586560}" type="datetimeFigureOut">
+            <a:fld id="{29E25D8D-C8C1-4093-822D-C89A87B214A1}" type="datetimeFigureOut">
               <a:rPr lang="zh-CN" altLang="en-US" smtClean="0"/>
               <a:t>2024/3/10</a:t>
             </a:fld>
@@ -1821,7 +1821,7 @@
           <p:cNvPr id="8" name="页脚占位符 7">
             <a:extLst>
               <a:ext uri="{FF2B5EF4-FFF2-40B4-BE49-F238E27FC236}">
-                <a16:creationId xmlns:a16="http://schemas.microsoft.com/office/drawing/2014/main" id="{1063F117-9A7A-A99F-07DB-398AEC87E686}"/>
+                <a16:creationId xmlns:a16="http://schemas.microsoft.com/office/drawing/2014/main" id="{7A14C0D9-B86B-0B8A-9B64-34D737FC66D3}"/>
               </a:ext>
             </a:extLst>
           </p:cNvPr>
@@ -1846,7 +1846,7 @@
           <p:cNvPr id="9" name="灯片编号占位符 8">
             <a:extLst>
               <a:ext uri="{FF2B5EF4-FFF2-40B4-BE49-F238E27FC236}">
-                <a16:creationId xmlns:a16="http://schemas.microsoft.com/office/drawing/2014/main" id="{F91060A1-E6BD-6335-7C90-9E18859BD021}"/>
+                <a16:creationId xmlns:a16="http://schemas.microsoft.com/office/drawing/2014/main" id="{87F62D71-EDB8-99F5-D42A-9DE716D95A69}"/>
               </a:ext>
             </a:extLst>
           </p:cNvPr>
@@ -1862,7 +1862,7 @@
           <a:bodyPr/>
           <a:lstStyle/>
           <a:p>
-            <a:fld id="{826DDA3D-E322-435A-B3FC-538927EDC992}" type="slidenum">
+            <a:fld id="{96E86C02-FE4C-46FA-8C46-C37D6DFCB66A}" type="slidenum">
               <a:rPr lang="zh-CN" altLang="en-US" smtClean="0"/>
               <a:t>‹#›</a:t>
             </a:fld>
@@ -1873,7 +1873,7 @@
     </p:spTree>
     <p:extLst>
       <p:ext uri="{BB962C8B-B14F-4D97-AF65-F5344CB8AC3E}">
-        <p14:creationId xmlns:p14="http://schemas.microsoft.com/office/powerpoint/2010/main" val="4148404476"/>
+        <p14:creationId xmlns:p14="http://schemas.microsoft.com/office/powerpoint/2010/main" val="3443083021"/>
       </p:ext>
     </p:extLst>
   </p:cSld>
@@ -1905,7 +1905,7 @@
           <p:cNvPr id="2" name="标题 1">
             <a:extLst>
               <a:ext uri="{FF2B5EF4-FFF2-40B4-BE49-F238E27FC236}">
-                <a16:creationId xmlns:a16="http://schemas.microsoft.com/office/drawing/2014/main" id="{79524A1E-9270-3B6C-DFB4-01AA6CAFB01E}"/>
+                <a16:creationId xmlns:a16="http://schemas.microsoft.com/office/drawing/2014/main" id="{EA07DDF1-FC3F-3633-0831-90DD7CF41318}"/>
               </a:ext>
             </a:extLst>
           </p:cNvPr>
@@ -1933,7 +1933,7 @@
           <p:cNvPr id="3" name="日期占位符 2">
             <a:extLst>
               <a:ext uri="{FF2B5EF4-FFF2-40B4-BE49-F238E27FC236}">
-                <a16:creationId xmlns:a16="http://schemas.microsoft.com/office/drawing/2014/main" id="{4ADA9B8E-1D2B-BF12-84D7-B408BA811325}"/>
+                <a16:creationId xmlns:a16="http://schemas.microsoft.com/office/drawing/2014/main" id="{563277CC-1A55-A3E9-74CA-BBCD7F56F4D8}"/>
               </a:ext>
             </a:extLst>
           </p:cNvPr>
@@ -1949,7 +1949,7 @@
           <a:bodyPr/>
           <a:lstStyle/>
           <a:p>
-            <a:fld id="{D9082DFA-5993-4475-9B5E-977C68586560}" type="datetimeFigureOut">
+            <a:fld id="{29E25D8D-C8C1-4093-822D-C89A87B214A1}" type="datetimeFigureOut">
               <a:rPr lang="zh-CN" altLang="en-US" smtClean="0"/>
               <a:t>2024/3/10</a:t>
             </a:fld>
@@ -1962,7 +1962,7 @@
           <p:cNvPr id="4" name="页脚占位符 3">
             <a:extLst>
               <a:ext uri="{FF2B5EF4-FFF2-40B4-BE49-F238E27FC236}">
-                <a16:creationId xmlns:a16="http://schemas.microsoft.com/office/drawing/2014/main" id="{966D0DAA-8EA5-EB18-305A-03A659706DD5}"/>
+                <a16:creationId xmlns:a16="http://schemas.microsoft.com/office/drawing/2014/main" id="{F9E9D20D-05AE-F862-DE39-391E0B17B1F5}"/>
               </a:ext>
             </a:extLst>
           </p:cNvPr>
@@ -1987,7 +1987,7 @@
           <p:cNvPr id="5" name="灯片编号占位符 4">
             <a:extLst>
               <a:ext uri="{FF2B5EF4-FFF2-40B4-BE49-F238E27FC236}">
-                <a16:creationId xmlns:a16="http://schemas.microsoft.com/office/drawing/2014/main" id="{CDF22ED7-5F97-E649-A4BD-949596D99C46}"/>
+                <a16:creationId xmlns:a16="http://schemas.microsoft.com/office/drawing/2014/main" id="{86C77FBF-0306-2D05-59FB-C2EF1CC001B9}"/>
               </a:ext>
             </a:extLst>
           </p:cNvPr>
@@ -2003,7 +2003,7 @@
           <a:bodyPr/>
           <a:lstStyle/>
           <a:p>
-            <a:fld id="{826DDA3D-E322-435A-B3FC-538927EDC992}" type="slidenum">
+            <a:fld id="{96E86C02-FE4C-46FA-8C46-C37D6DFCB66A}" type="slidenum">
               <a:rPr lang="zh-CN" altLang="en-US" smtClean="0"/>
               <a:t>‹#›</a:t>
             </a:fld>
@@ -2014,7 +2014,7 @@
     </p:spTree>
     <p:extLst>
       <p:ext uri="{BB962C8B-B14F-4D97-AF65-F5344CB8AC3E}">
-        <p14:creationId xmlns:p14="http://schemas.microsoft.com/office/powerpoint/2010/main" val="3161942531"/>
+        <p14:creationId xmlns:p14="http://schemas.microsoft.com/office/powerpoint/2010/main" val="442368134"/>
       </p:ext>
     </p:extLst>
   </p:cSld>
@@ -2046,7 +2046,7 @@
           <p:cNvPr id="2" name="日期占位符 1">
             <a:extLst>
               <a:ext uri="{FF2B5EF4-FFF2-40B4-BE49-F238E27FC236}">
-                <a16:creationId xmlns:a16="http://schemas.microsoft.com/office/drawing/2014/main" id="{468D6AFF-93C4-3E6A-DDC9-058B22F077F4}"/>
+                <a16:creationId xmlns:a16="http://schemas.microsoft.com/office/drawing/2014/main" id="{4558CEC0-6F03-4B74-B51B-6E448462CDAC}"/>
               </a:ext>
             </a:extLst>
           </p:cNvPr>
@@ -2062,7 +2062,7 @@
           <a:bodyPr/>
           <a:lstStyle/>
           <a:p>
-            <a:fld id="{D9082DFA-5993-4475-9B5E-977C68586560}" type="datetimeFigureOut">
+            <a:fld id="{29E25D8D-C8C1-4093-822D-C89A87B214A1}" type="datetimeFigureOut">
               <a:rPr lang="zh-CN" altLang="en-US" smtClean="0"/>
               <a:t>2024/3/10</a:t>
             </a:fld>
@@ -2075,7 +2075,7 @@
           <p:cNvPr id="3" name="页脚占位符 2">
             <a:extLst>
               <a:ext uri="{FF2B5EF4-FFF2-40B4-BE49-F238E27FC236}">
-                <a16:creationId xmlns:a16="http://schemas.microsoft.com/office/drawing/2014/main" id="{AD3CC44E-34FA-A2FB-FBAE-6A280B871BAA}"/>
+                <a16:creationId xmlns:a16="http://schemas.microsoft.com/office/drawing/2014/main" id="{FA650AA3-CC1C-3519-CD30-7FFCCCA52FB3}"/>
               </a:ext>
             </a:extLst>
           </p:cNvPr>
@@ -2100,7 +2100,7 @@
           <p:cNvPr id="4" name="灯片编号占位符 3">
             <a:extLst>
               <a:ext uri="{FF2B5EF4-FFF2-40B4-BE49-F238E27FC236}">
-                <a16:creationId xmlns:a16="http://schemas.microsoft.com/office/drawing/2014/main" id="{5A8B12B0-7BF7-BF0A-681E-8132DD11D40A}"/>
+                <a16:creationId xmlns:a16="http://schemas.microsoft.com/office/drawing/2014/main" id="{860253AC-C628-5235-00D7-EC2ED71CC536}"/>
               </a:ext>
             </a:extLst>
           </p:cNvPr>
@@ -2116,7 +2116,7 @@
           <a:bodyPr/>
           <a:lstStyle/>
           <a:p>
-            <a:fld id="{826DDA3D-E322-435A-B3FC-538927EDC992}" type="slidenum">
+            <a:fld id="{96E86C02-FE4C-46FA-8C46-C37D6DFCB66A}" type="slidenum">
               <a:rPr lang="zh-CN" altLang="en-US" smtClean="0"/>
               <a:t>‹#›</a:t>
             </a:fld>
@@ -2127,7 +2127,7 @@
     </p:spTree>
     <p:extLst>
       <p:ext uri="{BB962C8B-B14F-4D97-AF65-F5344CB8AC3E}">
-        <p14:creationId xmlns:p14="http://schemas.microsoft.com/office/powerpoint/2010/main" val="1589900825"/>
+        <p14:creationId xmlns:p14="http://schemas.microsoft.com/office/powerpoint/2010/main" val="13294370"/>
       </p:ext>
     </p:extLst>
   </p:cSld>
@@ -2159,7 +2159,7 @@
           <p:cNvPr id="2" name="标题 1">
             <a:extLst>
               <a:ext uri="{FF2B5EF4-FFF2-40B4-BE49-F238E27FC236}">
-                <a16:creationId xmlns:a16="http://schemas.microsoft.com/office/drawing/2014/main" id="{73434469-8CFB-7508-8E1B-066809434B8B}"/>
+                <a16:creationId xmlns:a16="http://schemas.microsoft.com/office/drawing/2014/main" id="{1E0AB9C9-339F-96B3-3956-37A7825E5905}"/>
               </a:ext>
             </a:extLst>
           </p:cNvPr>
@@ -2196,7 +2196,7 @@
           <p:cNvPr id="3" name="内容占位符 2">
             <a:extLst>
               <a:ext uri="{FF2B5EF4-FFF2-40B4-BE49-F238E27FC236}">
-                <a16:creationId xmlns:a16="http://schemas.microsoft.com/office/drawing/2014/main" id="{6FB2A301-BD8D-0333-BF75-05E6E6CD1468}"/>
+                <a16:creationId xmlns:a16="http://schemas.microsoft.com/office/drawing/2014/main" id="{DC566A90-50C7-5409-7E45-5D6B7D4495E3}"/>
               </a:ext>
             </a:extLst>
           </p:cNvPr>
@@ -2286,7 +2286,7 @@
           <p:cNvPr id="4" name="文本占位符 3">
             <a:extLst>
               <a:ext uri="{FF2B5EF4-FFF2-40B4-BE49-F238E27FC236}">
-                <a16:creationId xmlns:a16="http://schemas.microsoft.com/office/drawing/2014/main" id="{E5ECFFDB-4236-FA1D-1C45-C11B100FED02}"/>
+                <a16:creationId xmlns:a16="http://schemas.microsoft.com/office/drawing/2014/main" id="{5DAB0E2B-4632-4F0C-4D73-A5610E8C52A2}"/>
               </a:ext>
             </a:extLst>
           </p:cNvPr>
@@ -2357,7 +2357,7 @@
           <p:cNvPr id="5" name="日期占位符 4">
             <a:extLst>
               <a:ext uri="{FF2B5EF4-FFF2-40B4-BE49-F238E27FC236}">
-                <a16:creationId xmlns:a16="http://schemas.microsoft.com/office/drawing/2014/main" id="{B3382D12-C4F4-4C3B-6E55-9AB6F240B6BB}"/>
+                <a16:creationId xmlns:a16="http://schemas.microsoft.com/office/drawing/2014/main" id="{E2E40943-71F6-5705-CF12-5F4347FEF175}"/>
               </a:ext>
             </a:extLst>
           </p:cNvPr>
@@ -2373,7 +2373,7 @@
           <a:bodyPr/>
           <a:lstStyle/>
           <a:p>
-            <a:fld id="{D9082DFA-5993-4475-9B5E-977C68586560}" type="datetimeFigureOut">
+            <a:fld id="{29E25D8D-C8C1-4093-822D-C89A87B214A1}" type="datetimeFigureOut">
               <a:rPr lang="zh-CN" altLang="en-US" smtClean="0"/>
               <a:t>2024/3/10</a:t>
             </a:fld>
@@ -2386,7 +2386,7 @@
           <p:cNvPr id="6" name="页脚占位符 5">
             <a:extLst>
               <a:ext uri="{FF2B5EF4-FFF2-40B4-BE49-F238E27FC236}">
-                <a16:creationId xmlns:a16="http://schemas.microsoft.com/office/drawing/2014/main" id="{76B62DC4-1AC6-0D66-A773-42BAAE6D53A7}"/>
+                <a16:creationId xmlns:a16="http://schemas.microsoft.com/office/drawing/2014/main" id="{4423125D-D922-242D-8CBE-48A5E56237C0}"/>
               </a:ext>
             </a:extLst>
           </p:cNvPr>
@@ -2411,7 +2411,7 @@
           <p:cNvPr id="7" name="灯片编号占位符 6">
             <a:extLst>
               <a:ext uri="{FF2B5EF4-FFF2-40B4-BE49-F238E27FC236}">
-                <a16:creationId xmlns:a16="http://schemas.microsoft.com/office/drawing/2014/main" id="{A32B8A98-9FAD-E32A-6781-A68FF9601499}"/>
+                <a16:creationId xmlns:a16="http://schemas.microsoft.com/office/drawing/2014/main" id="{7C651501-DB2E-EAE5-ADE9-C275FC2BD4C2}"/>
               </a:ext>
             </a:extLst>
           </p:cNvPr>
@@ -2427,7 +2427,7 @@
           <a:bodyPr/>
           <a:lstStyle/>
           <a:p>
-            <a:fld id="{826DDA3D-E322-435A-B3FC-538927EDC992}" type="slidenum">
+            <a:fld id="{96E86C02-FE4C-46FA-8C46-C37D6DFCB66A}" type="slidenum">
               <a:rPr lang="zh-CN" altLang="en-US" smtClean="0"/>
               <a:t>‹#›</a:t>
             </a:fld>
@@ -2438,7 +2438,7 @@
     </p:spTree>
     <p:extLst>
       <p:ext uri="{BB962C8B-B14F-4D97-AF65-F5344CB8AC3E}">
-        <p14:creationId xmlns:p14="http://schemas.microsoft.com/office/powerpoint/2010/main" val="404626724"/>
+        <p14:creationId xmlns:p14="http://schemas.microsoft.com/office/powerpoint/2010/main" val="1640639499"/>
       </p:ext>
     </p:extLst>
   </p:cSld>
@@ -2470,7 +2470,7 @@
           <p:cNvPr id="2" name="标题 1">
             <a:extLst>
               <a:ext uri="{FF2B5EF4-FFF2-40B4-BE49-F238E27FC236}">
-                <a16:creationId xmlns:a16="http://schemas.microsoft.com/office/drawing/2014/main" id="{AA972B4E-6952-8BDC-E335-5E9D7A7B4943}"/>
+                <a16:creationId xmlns:a16="http://schemas.microsoft.com/office/drawing/2014/main" id="{FA3B89B8-7B57-E5C7-422B-D638EE2F8B53}"/>
               </a:ext>
             </a:extLst>
           </p:cNvPr>
@@ -2507,7 +2507,7 @@
           <p:cNvPr id="3" name="图片占位符 2">
             <a:extLst>
               <a:ext uri="{FF2B5EF4-FFF2-40B4-BE49-F238E27FC236}">
-                <a16:creationId xmlns:a16="http://schemas.microsoft.com/office/drawing/2014/main" id="{7933D16E-8ABA-3F17-5C2B-DAB86C2C2A45}"/>
+                <a16:creationId xmlns:a16="http://schemas.microsoft.com/office/drawing/2014/main" id="{0287A70A-CA8A-BD0E-76F8-8360CD581C09}"/>
               </a:ext>
             </a:extLst>
           </p:cNvPr>
@@ -2574,7 +2574,7 @@
           <p:cNvPr id="4" name="文本占位符 3">
             <a:extLst>
               <a:ext uri="{FF2B5EF4-FFF2-40B4-BE49-F238E27FC236}">
-                <a16:creationId xmlns:a16="http://schemas.microsoft.com/office/drawing/2014/main" id="{B43925E2-8934-6BE8-B5BD-6173239A043F}"/>
+                <a16:creationId xmlns:a16="http://schemas.microsoft.com/office/drawing/2014/main" id="{DE0B35A1-44B5-F616-6F16-75888FBBAF34}"/>
               </a:ext>
             </a:extLst>
           </p:cNvPr>
@@ -2645,7 +2645,7 @@
           <p:cNvPr id="5" name="日期占位符 4">
             <a:extLst>
               <a:ext uri="{FF2B5EF4-FFF2-40B4-BE49-F238E27FC236}">
-                <a16:creationId xmlns:a16="http://schemas.microsoft.com/office/drawing/2014/main" id="{7AE5DB4F-6AF8-9C64-E250-19A1BB61AF99}"/>
+                <a16:creationId xmlns:a16="http://schemas.microsoft.com/office/drawing/2014/main" id="{7ABE5406-F067-5675-643C-6EDECDDAFE1F}"/>
               </a:ext>
             </a:extLst>
           </p:cNvPr>
@@ -2661,7 +2661,7 @@
           <a:bodyPr/>
           <a:lstStyle/>
           <a:p>
-            <a:fld id="{D9082DFA-5993-4475-9B5E-977C68586560}" type="datetimeFigureOut">
+            <a:fld id="{29E25D8D-C8C1-4093-822D-C89A87B214A1}" type="datetimeFigureOut">
               <a:rPr lang="zh-CN" altLang="en-US" smtClean="0"/>
               <a:t>2024/3/10</a:t>
             </a:fld>
@@ -2674,7 +2674,7 @@
           <p:cNvPr id="6" name="页脚占位符 5">
             <a:extLst>
               <a:ext uri="{FF2B5EF4-FFF2-40B4-BE49-F238E27FC236}">
-                <a16:creationId xmlns:a16="http://schemas.microsoft.com/office/drawing/2014/main" id="{01B8673C-D823-5ED6-9BC6-2D6601716441}"/>
+                <a16:creationId xmlns:a16="http://schemas.microsoft.com/office/drawing/2014/main" id="{4E9B3101-3C53-4195-61D4-E2F088270F77}"/>
               </a:ext>
             </a:extLst>
           </p:cNvPr>
@@ -2699,7 +2699,7 @@
           <p:cNvPr id="7" name="灯片编号占位符 6">
             <a:extLst>
               <a:ext uri="{FF2B5EF4-FFF2-40B4-BE49-F238E27FC236}">
-                <a16:creationId xmlns:a16="http://schemas.microsoft.com/office/drawing/2014/main" id="{6B4415A2-B456-5C5E-4DB0-6A5B7EC88EC2}"/>
+                <a16:creationId xmlns:a16="http://schemas.microsoft.com/office/drawing/2014/main" id="{27A1B5FA-BD49-0B27-22CE-1673F1BA0041}"/>
               </a:ext>
             </a:extLst>
           </p:cNvPr>
@@ -2715,7 +2715,7 @@
           <a:bodyPr/>
           <a:lstStyle/>
           <a:p>
-            <a:fld id="{826DDA3D-E322-435A-B3FC-538927EDC992}" type="slidenum">
+            <a:fld id="{96E86C02-FE4C-46FA-8C46-C37D6DFCB66A}" type="slidenum">
               <a:rPr lang="zh-CN" altLang="en-US" smtClean="0"/>
               <a:t>‹#›</a:t>
             </a:fld>
@@ -2726,7 +2726,7 @@
     </p:spTree>
     <p:extLst>
       <p:ext uri="{BB962C8B-B14F-4D97-AF65-F5344CB8AC3E}">
-        <p14:creationId xmlns:p14="http://schemas.microsoft.com/office/powerpoint/2010/main" val="2295298613"/>
+        <p14:creationId xmlns:p14="http://schemas.microsoft.com/office/powerpoint/2010/main" val="554529918"/>
       </p:ext>
     </p:extLst>
   </p:cSld>
@@ -2763,7 +2763,7 @@
           <p:cNvPr id="2" name="标题占位符 1">
             <a:extLst>
               <a:ext uri="{FF2B5EF4-FFF2-40B4-BE49-F238E27FC236}">
-                <a16:creationId xmlns:a16="http://schemas.microsoft.com/office/drawing/2014/main" id="{8F4191B8-12DD-139D-FA8E-7146112C95F9}"/>
+                <a16:creationId xmlns:a16="http://schemas.microsoft.com/office/drawing/2014/main" id="{6110C4DD-EC82-9099-9B21-1FA8E83C79AC}"/>
               </a:ext>
             </a:extLst>
           </p:cNvPr>
@@ -2801,7 +2801,7 @@
           <p:cNvPr id="3" name="文本占位符 2">
             <a:extLst>
               <a:ext uri="{FF2B5EF4-FFF2-40B4-BE49-F238E27FC236}">
-                <a16:creationId xmlns:a16="http://schemas.microsoft.com/office/drawing/2014/main" id="{CBD83CBD-642A-CCFB-86E4-9C28966A210F}"/>
+                <a16:creationId xmlns:a16="http://schemas.microsoft.com/office/drawing/2014/main" id="{FFABBBD6-2149-2905-A589-7550A607770B}"/>
               </a:ext>
             </a:extLst>
           </p:cNvPr>
@@ -2868,7 +2868,7 @@
           <p:cNvPr id="4" name="日期占位符 3">
             <a:extLst>
               <a:ext uri="{FF2B5EF4-FFF2-40B4-BE49-F238E27FC236}">
-                <a16:creationId xmlns:a16="http://schemas.microsoft.com/office/drawing/2014/main" id="{25C0EA81-CF34-8DF7-05C8-6E4C002B92A4}"/>
+                <a16:creationId xmlns:a16="http://schemas.microsoft.com/office/drawing/2014/main" id="{9CFC83C7-C510-00FE-FBFA-0C6483FF6B45}"/>
               </a:ext>
             </a:extLst>
           </p:cNvPr>
@@ -2902,7 +2902,7 @@
             </a:lvl1pPr>
           </a:lstStyle>
           <a:p>
-            <a:fld id="{D9082DFA-5993-4475-9B5E-977C68586560}" type="datetimeFigureOut">
+            <a:fld id="{29E25D8D-C8C1-4093-822D-C89A87B214A1}" type="datetimeFigureOut">
               <a:rPr lang="zh-CN" altLang="en-US" smtClean="0"/>
               <a:t>2024/3/10</a:t>
             </a:fld>
@@ -2915,7 +2915,7 @@
           <p:cNvPr id="5" name="页脚占位符 4">
             <a:extLst>
               <a:ext uri="{FF2B5EF4-FFF2-40B4-BE49-F238E27FC236}">
-                <a16:creationId xmlns:a16="http://schemas.microsoft.com/office/drawing/2014/main" id="{FB57E7E9-B29B-B4D6-C16E-529D17B0E508}"/>
+                <a16:creationId xmlns:a16="http://schemas.microsoft.com/office/drawing/2014/main" id="{515C9787-F60D-2D31-6656-8DD3ADB272D9}"/>
               </a:ext>
             </a:extLst>
           </p:cNvPr>
@@ -2958,7 +2958,7 @@
           <p:cNvPr id="6" name="灯片编号占位符 5">
             <a:extLst>
               <a:ext uri="{FF2B5EF4-FFF2-40B4-BE49-F238E27FC236}">
-                <a16:creationId xmlns:a16="http://schemas.microsoft.com/office/drawing/2014/main" id="{92132EFE-A33A-D7BE-EF30-B21318F99565}"/>
+                <a16:creationId xmlns:a16="http://schemas.microsoft.com/office/drawing/2014/main" id="{E28DA35E-5561-FBE2-44C2-36D24F4B9D4E}"/>
               </a:ext>
             </a:extLst>
           </p:cNvPr>
@@ -2992,7 +2992,7 @@
             </a:lvl1pPr>
           </a:lstStyle>
           <a:p>
-            <a:fld id="{826DDA3D-E322-435A-B3FC-538927EDC992}" type="slidenum">
+            <a:fld id="{96E86C02-FE4C-46FA-8C46-C37D6DFCB66A}" type="slidenum">
               <a:rPr lang="zh-CN" altLang="en-US" smtClean="0"/>
               <a:t>‹#›</a:t>
             </a:fld>
@@ -3003,7 +3003,7 @@
     </p:spTree>
     <p:extLst>
       <p:ext uri="{BB962C8B-B14F-4D97-AF65-F5344CB8AC3E}">
-        <p14:creationId xmlns:p14="http://schemas.microsoft.com/office/powerpoint/2010/main" val="2979419782"/>
+        <p14:creationId xmlns:p14="http://schemas.microsoft.com/office/powerpoint/2010/main" val="2088287883"/>
       </p:ext>
     </p:extLst>
   </p:cSld>
@@ -3323,7 +3323,7 @@
       </p:grpSpPr>
       <p:pic>
         <p:nvPicPr>
-          <p:cNvPr id="1448962" name="Picture 2" descr="1414"/>
+          <p:cNvPr id="1449986" name="Picture 2" descr="1415"/>
           <p:cNvPicPr>
             <a:picLocks noChangeAspect="1" noChangeArrowheads="1"/>
           </p:cNvPicPr>
@@ -3344,8 +3344,8 @@
         </p:blipFill>
         <p:spPr bwMode="auto">
           <a:xfrm>
-            <a:off x="1524000" y="0"/>
-            <a:ext cx="9144000" cy="6858000"/>
+            <a:off x="1524000" y="1"/>
+            <a:ext cx="9124950" cy="5084763"/>
           </a:xfrm>
           <a:prstGeom prst="rect">
             <a:avLst/>
